--- a/Mathematics/Bootstrapping.pptx
+++ b/Mathematics/Bootstrapping.pptx
@@ -5,13 +5,16 @@
     <p:sldMasterId id="2147483648" r:id="rId1"/>
   </p:sldMasterIdLst>
   <p:notesMasterIdLst>
-    <p:notesMasterId r:id="rId6"/>
+    <p:notesMasterId r:id="rId9"/>
   </p:notesMasterIdLst>
   <p:sldIdLst>
     <p:sldId id="256" r:id="rId2"/>
     <p:sldId id="268" r:id="rId3"/>
     <p:sldId id="270" r:id="rId4"/>
-    <p:sldId id="269" r:id="rId5"/>
+    <p:sldId id="273" r:id="rId5"/>
+    <p:sldId id="271" r:id="rId6"/>
+    <p:sldId id="272" r:id="rId7"/>
+    <p:sldId id="269" r:id="rId8"/>
   </p:sldIdLst>
   <p:sldSz cx="9144000" cy="6858000" type="screen4x3"/>
   <p:notesSz cx="6858000" cy="9144000"/>
@@ -196,7 +199,7 @@
             <a:fld id="{98BFDCCA-FFB9-49F6-B56E-F6432283D67C}" type="datetimeFigureOut">
               <a:rPr lang="en-US" smtClean="0"/>
               <a:pPr/>
-              <a:t>2/6/2023</a:t>
+              <a:t>2/8/2023</a:t>
             </a:fld>
             <a:endParaRPr lang="en-US"/>
           </a:p>
@@ -644,7 +647,7 @@
             <a:fld id="{9099FEDA-6AC3-495C-A467-2B0399D71BB7}" type="datetimeFigureOut">
               <a:rPr lang="en-US" smtClean="0"/>
               <a:pPr/>
-              <a:t>2/6/2023</a:t>
+              <a:t>2/8/2023</a:t>
             </a:fld>
             <a:endParaRPr lang="en-US"/>
           </a:p>
@@ -811,7 +814,7 @@
             <a:fld id="{9099FEDA-6AC3-495C-A467-2B0399D71BB7}" type="datetimeFigureOut">
               <a:rPr lang="en-US" smtClean="0"/>
               <a:pPr/>
-              <a:t>2/6/2023</a:t>
+              <a:t>2/8/2023</a:t>
             </a:fld>
             <a:endParaRPr lang="en-US"/>
           </a:p>
@@ -988,7 +991,7 @@
             <a:fld id="{9099FEDA-6AC3-495C-A467-2B0399D71BB7}" type="datetimeFigureOut">
               <a:rPr lang="en-US" smtClean="0"/>
               <a:pPr/>
-              <a:t>2/6/2023</a:t>
+              <a:t>2/8/2023</a:t>
             </a:fld>
             <a:endParaRPr lang="en-US"/>
           </a:p>
@@ -1155,7 +1158,7 @@
             <a:fld id="{9099FEDA-6AC3-495C-A467-2B0399D71BB7}" type="datetimeFigureOut">
               <a:rPr lang="en-US" smtClean="0"/>
               <a:pPr/>
-              <a:t>2/6/2023</a:t>
+              <a:t>2/8/2023</a:t>
             </a:fld>
             <a:endParaRPr lang="en-US"/>
           </a:p>
@@ -1398,7 +1401,7 @@
             <a:fld id="{9099FEDA-6AC3-495C-A467-2B0399D71BB7}" type="datetimeFigureOut">
               <a:rPr lang="en-US" smtClean="0"/>
               <a:pPr/>
-              <a:t>2/6/2023</a:t>
+              <a:t>2/8/2023</a:t>
             </a:fld>
             <a:endParaRPr lang="en-US"/>
           </a:p>
@@ -1683,7 +1686,7 @@
             <a:fld id="{9099FEDA-6AC3-495C-A467-2B0399D71BB7}" type="datetimeFigureOut">
               <a:rPr lang="en-US" smtClean="0"/>
               <a:pPr/>
-              <a:t>2/6/2023</a:t>
+              <a:t>2/8/2023</a:t>
             </a:fld>
             <a:endParaRPr lang="en-US"/>
           </a:p>
@@ -2102,7 +2105,7 @@
             <a:fld id="{9099FEDA-6AC3-495C-A467-2B0399D71BB7}" type="datetimeFigureOut">
               <a:rPr lang="en-US" smtClean="0"/>
               <a:pPr/>
-              <a:t>2/6/2023</a:t>
+              <a:t>2/8/2023</a:t>
             </a:fld>
             <a:endParaRPr lang="en-US"/>
           </a:p>
@@ -2217,7 +2220,7 @@
             <a:fld id="{9099FEDA-6AC3-495C-A467-2B0399D71BB7}" type="datetimeFigureOut">
               <a:rPr lang="en-US" smtClean="0"/>
               <a:pPr/>
-              <a:t>2/6/2023</a:t>
+              <a:t>2/8/2023</a:t>
             </a:fld>
             <a:endParaRPr lang="en-US"/>
           </a:p>
@@ -2309,7 +2312,7 @@
             <a:fld id="{9099FEDA-6AC3-495C-A467-2B0399D71BB7}" type="datetimeFigureOut">
               <a:rPr lang="en-US" smtClean="0"/>
               <a:pPr/>
-              <a:t>2/6/2023</a:t>
+              <a:t>2/8/2023</a:t>
             </a:fld>
             <a:endParaRPr lang="en-US"/>
           </a:p>
@@ -2583,7 +2586,7 @@
             <a:fld id="{9099FEDA-6AC3-495C-A467-2B0399D71BB7}" type="datetimeFigureOut">
               <a:rPr lang="en-US" smtClean="0"/>
               <a:pPr/>
-              <a:t>2/6/2023</a:t>
+              <a:t>2/8/2023</a:t>
             </a:fld>
             <a:endParaRPr lang="en-US"/>
           </a:p>
@@ -2833,7 +2836,7 @@
             <a:fld id="{9099FEDA-6AC3-495C-A467-2B0399D71BB7}" type="datetimeFigureOut">
               <a:rPr lang="en-US" smtClean="0"/>
               <a:pPr/>
-              <a:t>2/6/2023</a:t>
+              <a:t>2/8/2023</a:t>
             </a:fld>
             <a:endParaRPr lang="en-US"/>
           </a:p>
@@ -3043,7 +3046,7 @@
             <a:fld id="{9099FEDA-6AC3-495C-A467-2B0399D71BB7}" type="datetimeFigureOut">
               <a:rPr lang="en-US" smtClean="0"/>
               <a:pPr/>
-              <a:t>2/6/2023</a:t>
+              <a:t>2/8/2023</a:t>
             </a:fld>
             <a:endParaRPr lang="en-US"/>
           </a:p>
@@ -3551,6 +3554,39 @@
           </a:bodyPr>
           <a:lstStyle/>
           <a:p>
+            <a:r>
+              <a:rPr lang="en-US" dirty="0" smtClean="0"/>
+              <a:t>Experiments</a:t>
+            </a:r>
+            <a:endParaRPr lang="en-US" dirty="0" smtClean="0"/>
+          </a:p>
+          <a:p>
+            <a:r>
+              <a:rPr lang="en-IN" dirty="0" smtClean="0"/>
+              <a:t>Bootstrap </a:t>
+            </a:r>
+            <a:r>
+              <a:rPr lang="en-IN" dirty="0" smtClean="0"/>
+              <a:t>dataset</a:t>
+            </a:r>
+            <a:endParaRPr lang="en-US" dirty="0" smtClean="0"/>
+          </a:p>
+          <a:p>
+            <a:r>
+              <a:rPr lang="en-US" dirty="0" smtClean="0"/>
+              <a:t>Bootstrapping</a:t>
+            </a:r>
+            <a:endParaRPr lang="en-US" dirty="0" smtClean="0"/>
+          </a:p>
+          <a:p>
+            <a:r>
+              <a:rPr lang="en-US" dirty="0" smtClean="0"/>
+              <a:t>Sampling </a:t>
+            </a:r>
+            <a:r>
+              <a:rPr lang="en-US" dirty="0" smtClean="0"/>
+              <a:t>with replacement</a:t>
+            </a:r>
             <a:endParaRPr lang="en-US" dirty="0"/>
           </a:p>
         </p:txBody>
@@ -3602,7 +3638,11 @@
           <a:bodyPr/>
           <a:lstStyle/>
           <a:p>
-            <a:endParaRPr lang="en-IN"/>
+            <a:r>
+              <a:rPr lang="en-IN" dirty="0" smtClean="0"/>
+              <a:t>Experiments</a:t>
+            </a:r>
+            <a:endParaRPr lang="en-IN" dirty="0"/>
           </a:p>
         </p:txBody>
       </p:sp>
@@ -3621,7 +3661,95 @@
           <a:bodyPr/>
           <a:lstStyle/>
           <a:p>
-            <a:endParaRPr lang="en-IN"/>
+            <a:pPr marL="514350" indent="-514350">
+              <a:buFont typeface="+mj-lt"/>
+              <a:buAutoNum type="arabicPeriod"/>
+            </a:pPr>
+            <a:r>
+              <a:rPr lang="en-IN" dirty="0" smtClean="0"/>
+              <a:t>Collect </a:t>
+            </a:r>
+            <a:r>
+              <a:rPr lang="en-IN" dirty="0" smtClean="0"/>
+              <a:t>dataset</a:t>
+            </a:r>
+            <a:endParaRPr lang="en-IN" dirty="0" smtClean="0"/>
+          </a:p>
+          <a:p>
+            <a:pPr marL="914400" lvl="1" indent="-514350"/>
+            <a:r>
+              <a:rPr lang="en-IN" dirty="0" smtClean="0"/>
+              <a:t>Collect data samples</a:t>
+            </a:r>
+            <a:endParaRPr lang="en-IN" dirty="0" smtClean="0"/>
+          </a:p>
+          <a:p>
+            <a:pPr marL="514350" indent="-514350">
+              <a:buFont typeface="+mj-lt"/>
+              <a:buAutoNum type="arabicPeriod"/>
+            </a:pPr>
+            <a:r>
+              <a:rPr lang="en-IN" dirty="0" smtClean="0"/>
+              <a:t>Calculate metric value </a:t>
+            </a:r>
+          </a:p>
+          <a:p>
+            <a:pPr marL="971550" lvl="1" indent="-514350"/>
+            <a:r>
+              <a:rPr lang="en-IN" dirty="0" smtClean="0"/>
+              <a:t>Calculate </a:t>
+            </a:r>
+            <a:r>
+              <a:rPr lang="en-IN" dirty="0" smtClean="0"/>
+              <a:t>mean value</a:t>
+            </a:r>
+          </a:p>
+          <a:p>
+            <a:pPr marL="514350" indent="-514350">
+              <a:buFont typeface="+mj-lt"/>
+              <a:buAutoNum type="arabicPeriod"/>
+            </a:pPr>
+            <a:r>
+              <a:rPr lang="en-IN" dirty="0" smtClean="0"/>
+              <a:t>Observe </a:t>
+            </a:r>
+            <a:r>
+              <a:rPr lang="en-IN" dirty="0" smtClean="0"/>
+              <a:t>metric </a:t>
+            </a:r>
+            <a:r>
+              <a:rPr lang="en-IN" dirty="0" smtClean="0"/>
+              <a:t>values </a:t>
+            </a:r>
+          </a:p>
+          <a:p>
+            <a:pPr marL="971550" lvl="1" indent="-514350"/>
+            <a:r>
+              <a:rPr lang="en-IN" dirty="0" smtClean="0"/>
+              <a:t>Calculate histogram of mean values</a:t>
+            </a:r>
+            <a:endParaRPr lang="en-IN" dirty="0" smtClean="0"/>
+          </a:p>
+          <a:p>
+            <a:pPr marL="514350" indent="-514350">
+              <a:buFont typeface="+mj-lt"/>
+              <a:buAutoNum type="arabicPeriod"/>
+            </a:pPr>
+            <a:r>
+              <a:rPr lang="en-IN" dirty="0" smtClean="0"/>
+              <a:t>Repeat until not done</a:t>
+            </a:r>
+          </a:p>
+          <a:p>
+            <a:pPr marL="514350" indent="-514350">
+              <a:buFont typeface="+mj-lt"/>
+              <a:buAutoNum type="arabicPeriod"/>
+            </a:pPr>
+            <a:r>
+              <a:rPr lang="en-IN" dirty="0" smtClean="0"/>
+              <a:t>Interpret observations</a:t>
+            </a:r>
+            <a:endParaRPr lang="en-IN" dirty="0"/>
           </a:p>
         </p:txBody>
       </p:sp>
@@ -3634,6 +3762,301 @@
 </file>
 
 <file path=ppt/slides/slide4.xml><?xml version="1.0" encoding="utf-8"?>
+<p:sld xmlns:a="http://schemas.openxmlformats.org/drawingml/2006/main" xmlns:r="http://schemas.openxmlformats.org/officeDocument/2006/relationships" xmlns:p="http://schemas.openxmlformats.org/presentationml/2006/main">
+  <p:cSld>
+    <p:spTree>
+      <p:nvGrpSpPr>
+        <p:cNvPr id="1" name=""/>
+        <p:cNvGrpSpPr/>
+        <p:nvPr/>
+      </p:nvGrpSpPr>
+      <p:grpSpPr>
+        <a:xfrm>
+          <a:off x="0" y="0"/>
+          <a:ext cx="0" cy="0"/>
+          <a:chOff x="0" y="0"/>
+          <a:chExt cx="0" cy="0"/>
+        </a:xfrm>
+      </p:grpSpPr>
+      <p:sp>
+        <p:nvSpPr>
+          <p:cNvPr id="2" name="Title 1"/>
+          <p:cNvSpPr>
+            <a:spLocks noGrp="1"/>
+          </p:cNvSpPr>
+          <p:nvPr>
+            <p:ph type="title"/>
+          </p:nvPr>
+        </p:nvSpPr>
+        <p:spPr/>
+        <p:txBody>
+          <a:bodyPr/>
+          <a:lstStyle/>
+          <a:p>
+            <a:r>
+              <a:rPr lang="en-IN" dirty="0" smtClean="0"/>
+              <a:t>Experiments</a:t>
+            </a:r>
+            <a:endParaRPr lang="en-IN" dirty="0"/>
+          </a:p>
+        </p:txBody>
+      </p:sp>
+      <p:sp>
+        <p:nvSpPr>
+          <p:cNvPr id="3" name="Content Placeholder 2"/>
+          <p:cNvSpPr>
+            <a:spLocks noGrp="1"/>
+          </p:cNvSpPr>
+          <p:nvPr>
+            <p:ph idx="1"/>
+          </p:nvPr>
+        </p:nvSpPr>
+        <p:spPr/>
+        <p:txBody>
+          <a:bodyPr/>
+          <a:lstStyle/>
+          <a:p>
+            <a:pPr marL="514350" indent="-514350"/>
+            <a:r>
+              <a:rPr lang="en-IN" dirty="0" smtClean="0"/>
+              <a:t>Time consuming</a:t>
+            </a:r>
+          </a:p>
+          <a:p>
+            <a:pPr marL="514350" indent="-514350"/>
+            <a:r>
+              <a:rPr lang="en-IN" dirty="0" smtClean="0"/>
+              <a:t>Expensive </a:t>
+            </a:r>
+            <a:endParaRPr lang="en-IN" dirty="0"/>
+          </a:p>
+        </p:txBody>
+      </p:sp>
+    </p:spTree>
+  </p:cSld>
+  <p:clrMapOvr>
+    <a:masterClrMapping/>
+  </p:clrMapOvr>
+</p:sld>
+</file>
+
+<file path=ppt/slides/slide5.xml><?xml version="1.0" encoding="utf-8"?>
+<p:sld xmlns:a="http://schemas.openxmlformats.org/drawingml/2006/main" xmlns:r="http://schemas.openxmlformats.org/officeDocument/2006/relationships" xmlns:p="http://schemas.openxmlformats.org/presentationml/2006/main">
+  <p:cSld>
+    <p:spTree>
+      <p:nvGrpSpPr>
+        <p:cNvPr id="1" name=""/>
+        <p:cNvGrpSpPr/>
+        <p:nvPr/>
+      </p:nvGrpSpPr>
+      <p:grpSpPr>
+        <a:xfrm>
+          <a:off x="0" y="0"/>
+          <a:ext cx="0" cy="0"/>
+          <a:chOff x="0" y="0"/>
+          <a:chExt cx="0" cy="0"/>
+        </a:xfrm>
+      </p:grpSpPr>
+      <p:sp>
+        <p:nvSpPr>
+          <p:cNvPr id="2" name="Title 1"/>
+          <p:cNvSpPr>
+            <a:spLocks noGrp="1"/>
+          </p:cNvSpPr>
+          <p:nvPr>
+            <p:ph type="title"/>
+          </p:nvPr>
+        </p:nvSpPr>
+        <p:spPr/>
+        <p:txBody>
+          <a:bodyPr/>
+          <a:lstStyle/>
+          <a:p>
+            <a:r>
+              <a:rPr lang="en-IN" dirty="0" smtClean="0"/>
+              <a:t>Bootstrap Dataset</a:t>
+            </a:r>
+            <a:endParaRPr lang="en-IN" dirty="0"/>
+          </a:p>
+        </p:txBody>
+      </p:sp>
+      <p:sp>
+        <p:nvSpPr>
+          <p:cNvPr id="3" name="Content Placeholder 2"/>
+          <p:cNvSpPr>
+            <a:spLocks noGrp="1"/>
+          </p:cNvSpPr>
+          <p:nvPr>
+            <p:ph idx="1"/>
+          </p:nvPr>
+        </p:nvSpPr>
+        <p:spPr/>
+        <p:txBody>
+          <a:bodyPr/>
+          <a:lstStyle/>
+          <a:p>
+            <a:pPr marL="514350" indent="-514350"/>
+            <a:r>
+              <a:rPr lang="en-IN" dirty="0" smtClean="0"/>
+              <a:t>Collect </a:t>
+            </a:r>
+            <a:r>
+              <a:rPr lang="en-IN" dirty="0" smtClean="0">
+                <a:solidFill>
+                  <a:srgbClr val="00B050"/>
+                </a:solidFill>
+              </a:rPr>
+              <a:t>original</a:t>
+            </a:r>
+            <a:r>
+              <a:rPr lang="en-IN" dirty="0" smtClean="0"/>
+              <a:t> dataset</a:t>
+            </a:r>
+          </a:p>
+          <a:p>
+            <a:pPr marL="914400" lvl="1" indent="-514350"/>
+            <a:r>
+              <a:rPr lang="en-IN" dirty="0" smtClean="0"/>
+              <a:t>Collect dataset samples</a:t>
+            </a:r>
+          </a:p>
+          <a:p>
+            <a:pPr marL="514350" indent="-514350"/>
+            <a:r>
+              <a:rPr lang="en-IN" dirty="0" smtClean="0"/>
+              <a:t>Select samples from dataset</a:t>
+            </a:r>
+          </a:p>
+          <a:p>
+            <a:pPr marL="914400" lvl="1" indent="-514350"/>
+            <a:r>
+              <a:rPr lang="en-IN" smtClean="0"/>
+              <a:t>Random selection</a:t>
+            </a:r>
+          </a:p>
+          <a:p>
+            <a:pPr marL="914400" lvl="1" indent="-514350"/>
+            <a:r>
+              <a:rPr lang="en-IN" dirty="0" smtClean="0"/>
+              <a:t>Selection </a:t>
+            </a:r>
+            <a:r>
+              <a:rPr lang="en-US" dirty="0" smtClean="0"/>
+              <a:t>with replacement</a:t>
+            </a:r>
+          </a:p>
+          <a:p>
+            <a:pPr marL="514350" indent="-514350"/>
+            <a:r>
+              <a:rPr lang="en-IN" dirty="0" smtClean="0"/>
+              <a:t>Prepare </a:t>
+            </a:r>
+            <a:r>
+              <a:rPr lang="en-IN" dirty="0" smtClean="0">
+                <a:solidFill>
+                  <a:srgbClr val="00B050"/>
+                </a:solidFill>
+              </a:rPr>
+              <a:t>bootstrap</a:t>
+            </a:r>
+            <a:r>
+              <a:rPr lang="en-IN" dirty="0" smtClean="0"/>
+              <a:t> dataset</a:t>
+            </a:r>
+          </a:p>
+          <a:p>
+            <a:pPr marL="514350" indent="-514350"/>
+            <a:r>
+              <a:rPr lang="en-IN" dirty="0" smtClean="0"/>
+              <a:t>Same number of samples  </a:t>
+            </a:r>
+            <a:endParaRPr lang="en-IN" dirty="0" smtClean="0"/>
+          </a:p>
+          <a:p>
+            <a:pPr marL="514350" indent="-514350">
+              <a:buFont typeface="+mj-lt"/>
+              <a:buAutoNum type="arabicPeriod"/>
+            </a:pPr>
+            <a:endParaRPr lang="en-IN" dirty="0"/>
+          </a:p>
+        </p:txBody>
+      </p:sp>
+    </p:spTree>
+  </p:cSld>
+  <p:clrMapOvr>
+    <a:masterClrMapping/>
+  </p:clrMapOvr>
+</p:sld>
+</file>
+
+<file path=ppt/slides/slide6.xml><?xml version="1.0" encoding="utf-8"?>
+<p:sld xmlns:a="http://schemas.openxmlformats.org/drawingml/2006/main" xmlns:r="http://schemas.openxmlformats.org/officeDocument/2006/relationships" xmlns:p="http://schemas.openxmlformats.org/presentationml/2006/main">
+  <p:cSld>
+    <p:spTree>
+      <p:nvGrpSpPr>
+        <p:cNvPr id="1" name=""/>
+        <p:cNvGrpSpPr/>
+        <p:nvPr/>
+      </p:nvGrpSpPr>
+      <p:grpSpPr>
+        <a:xfrm>
+          <a:off x="0" y="0"/>
+          <a:ext cx="0" cy="0"/>
+          <a:chOff x="0" y="0"/>
+          <a:chExt cx="0" cy="0"/>
+        </a:xfrm>
+      </p:grpSpPr>
+      <p:sp>
+        <p:nvSpPr>
+          <p:cNvPr id="2" name="Title 1"/>
+          <p:cNvSpPr>
+            <a:spLocks noGrp="1"/>
+          </p:cNvSpPr>
+          <p:nvPr>
+            <p:ph type="title"/>
+          </p:nvPr>
+        </p:nvSpPr>
+        <p:spPr/>
+        <p:txBody>
+          <a:bodyPr/>
+          <a:lstStyle/>
+          <a:p>
+            <a:r>
+              <a:rPr lang="en-US" dirty="0" smtClean="0"/>
+              <a:t>Bootstrapping</a:t>
+            </a:r>
+            <a:endParaRPr lang="en-IN" dirty="0"/>
+          </a:p>
+        </p:txBody>
+      </p:sp>
+      <p:sp>
+        <p:nvSpPr>
+          <p:cNvPr id="3" name="Content Placeholder 2"/>
+          <p:cNvSpPr>
+            <a:spLocks noGrp="1"/>
+          </p:cNvSpPr>
+          <p:nvPr>
+            <p:ph idx="1"/>
+          </p:nvPr>
+        </p:nvSpPr>
+        <p:spPr/>
+        <p:txBody>
+          <a:bodyPr/>
+          <a:lstStyle/>
+          <a:p>
+            <a:endParaRPr lang="en-IN"/>
+          </a:p>
+        </p:txBody>
+      </p:sp>
+    </p:spTree>
+  </p:cSld>
+  <p:clrMapOvr>
+    <a:masterClrMapping/>
+  </p:clrMapOvr>
+</p:sld>
+</file>
+
+<file path=ppt/slides/slide7.xml><?xml version="1.0" encoding="utf-8"?>
 <p:sld xmlns:a="http://schemas.openxmlformats.org/drawingml/2006/main" xmlns:r="http://schemas.openxmlformats.org/officeDocument/2006/relationships" xmlns:p="http://schemas.openxmlformats.org/presentationml/2006/main">
   <p:cSld>
     <p:spTree>

--- a/Mathematics/Bootstrapping.pptx
+++ b/Mathematics/Bootstrapping.pptx
@@ -3874,7 +3874,7 @@
           <a:p>
             <a:r>
               <a:rPr lang="en-IN" dirty="0" smtClean="0"/>
-              <a:t>Bootstrap Dataset</a:t>
+              <a:t>Bootstrapped Dataset</a:t>
             </a:r>
             <a:endParaRPr lang="en-IN" dirty="0"/>
           </a:p>
@@ -3930,7 +3930,7 @@
           <a:p>
             <a:pPr marL="914400" lvl="1" indent="-514350"/>
             <a:r>
-              <a:rPr lang="en-IN" smtClean="0"/>
+              <a:rPr lang="en-IN" dirty="0" smtClean="0"/>
               <a:t>Random selection</a:t>
             </a:r>
           </a:p>
@@ -3957,7 +3957,7 @@
                   <a:srgbClr val="00B050"/>
                 </a:solidFill>
               </a:rPr>
-              <a:t>bootstrap</a:t>
+              <a:t>bootstrapped</a:t>
             </a:r>
             <a:r>
               <a:rPr lang="en-IN" dirty="0" smtClean="0"/>

--- a/Mathematics/Bootstrapping.pptx
+++ b/Mathematics/Bootstrapping.pptx
@@ -3563,11 +3563,7 @@
           <a:p>
             <a:r>
               <a:rPr lang="en-IN" dirty="0" smtClean="0"/>
-              <a:t>Bootstrap </a:t>
-            </a:r>
-            <a:r>
-              <a:rPr lang="en-IN" dirty="0" smtClean="0"/>
-              <a:t>dataset</a:t>
+              <a:t>Bootstrapped dataset</a:t>
             </a:r>
             <a:endParaRPr lang="en-US" dirty="0" smtClean="0"/>
           </a:p>
@@ -3577,17 +3573,6 @@
               <a:t>Bootstrapping</a:t>
             </a:r>
             <a:endParaRPr lang="en-US" dirty="0" smtClean="0"/>
-          </a:p>
-          <a:p>
-            <a:r>
-              <a:rPr lang="en-US" dirty="0" smtClean="0"/>
-              <a:t>Sampling </a:t>
-            </a:r>
-            <a:r>
-              <a:rPr lang="en-US" dirty="0" smtClean="0"/>
-              <a:t>with replacement</a:t>
-            </a:r>
-            <a:endParaRPr lang="en-US" dirty="0"/>
           </a:p>
         </p:txBody>
       </p:sp>
@@ -4041,10 +4026,121 @@
         </p:nvSpPr>
         <p:spPr/>
         <p:txBody>
-          <a:bodyPr/>
-          <a:lstStyle/>
-          <a:p>
-            <a:endParaRPr lang="en-IN"/>
+          <a:bodyPr>
+            <a:normAutofit lnSpcReduction="10000"/>
+          </a:bodyPr>
+          <a:lstStyle/>
+          <a:p>
+            <a:pPr marL="514350" indent="-514350">
+              <a:buFont typeface="+mj-lt"/>
+              <a:buAutoNum type="arabicPeriod"/>
+            </a:pPr>
+            <a:r>
+              <a:rPr lang="en-IN" dirty="0" smtClean="0"/>
+              <a:t>Collect </a:t>
+            </a:r>
+            <a:r>
+              <a:rPr lang="en-IN" dirty="0" smtClean="0">
+                <a:solidFill>
+                  <a:srgbClr val="00B050"/>
+                </a:solidFill>
+              </a:rPr>
+              <a:t>original</a:t>
+            </a:r>
+            <a:r>
+              <a:rPr lang="en-IN" dirty="0" smtClean="0"/>
+              <a:t> dataset</a:t>
+            </a:r>
+          </a:p>
+          <a:p>
+            <a:pPr marL="514350" indent="-514350">
+              <a:buFont typeface="+mj-lt"/>
+              <a:buAutoNum type="arabicPeriod"/>
+            </a:pPr>
+            <a:r>
+              <a:rPr lang="en-IN" dirty="0" smtClean="0"/>
+              <a:t>Prepare </a:t>
+            </a:r>
+            <a:r>
+              <a:rPr lang="en-IN" dirty="0" smtClean="0">
+                <a:solidFill>
+                  <a:srgbClr val="00B050"/>
+                </a:solidFill>
+              </a:rPr>
+              <a:t>bootstrapped</a:t>
+            </a:r>
+            <a:r>
+              <a:rPr lang="en-IN" dirty="0" smtClean="0"/>
+              <a:t> dataset</a:t>
+            </a:r>
+            <a:endParaRPr lang="en-IN" dirty="0" smtClean="0"/>
+          </a:p>
+          <a:p>
+            <a:pPr marL="514350" indent="-514350">
+              <a:buFont typeface="+mj-lt"/>
+              <a:buAutoNum type="arabicPeriod"/>
+            </a:pPr>
+            <a:r>
+              <a:rPr lang="en-IN" dirty="0" smtClean="0"/>
+              <a:t>Calculate metric value </a:t>
+            </a:r>
+          </a:p>
+          <a:p>
+            <a:pPr marL="971550" lvl="1" indent="-514350"/>
+            <a:r>
+              <a:rPr lang="en-IN" dirty="0" smtClean="0"/>
+              <a:t>Calculate mean value</a:t>
+            </a:r>
+          </a:p>
+          <a:p>
+            <a:pPr marL="514350" indent="-514350">
+              <a:buFont typeface="+mj-lt"/>
+              <a:buAutoNum type="arabicPeriod"/>
+            </a:pPr>
+            <a:r>
+              <a:rPr lang="en-IN" dirty="0" smtClean="0"/>
+              <a:t>Observe metric values </a:t>
+            </a:r>
+          </a:p>
+          <a:p>
+            <a:pPr marL="971550" lvl="1" indent="-514350"/>
+            <a:r>
+              <a:rPr lang="en-IN" dirty="0" smtClean="0"/>
+              <a:t>Calculate histogram of mean values</a:t>
+            </a:r>
+          </a:p>
+          <a:p>
+            <a:pPr marL="514350" indent="-514350">
+              <a:buFont typeface="+mj-lt"/>
+              <a:buAutoNum type="arabicPeriod"/>
+            </a:pPr>
+            <a:r>
+              <a:rPr lang="en-IN" dirty="0" smtClean="0"/>
+              <a:t>Repeat </a:t>
+            </a:r>
+            <a:r>
+              <a:rPr lang="en-IN" dirty="0" smtClean="0"/>
+              <a:t>from Step-2 until </a:t>
+            </a:r>
+            <a:r>
+              <a:rPr lang="en-IN" dirty="0" smtClean="0"/>
+              <a:t>not done</a:t>
+            </a:r>
+          </a:p>
+          <a:p>
+            <a:pPr marL="514350" indent="-514350">
+              <a:buFont typeface="+mj-lt"/>
+              <a:buAutoNum type="arabicPeriod"/>
+            </a:pPr>
+            <a:r>
+              <a:rPr lang="en-IN" dirty="0" smtClean="0"/>
+              <a:t>Interpret </a:t>
+            </a:r>
+            <a:r>
+              <a:rPr lang="en-IN" dirty="0" smtClean="0"/>
+              <a:t>observations</a:t>
+            </a:r>
+            <a:endParaRPr lang="en-IN" dirty="0"/>
           </a:p>
         </p:txBody>
       </p:sp>
